--- a/figures/source.pptx
+++ b/figures/source.pptx
@@ -107,6 +107,11 @@
       </a:defRPr>
     </a:lvl9pPr>
   </p:defaultTextStyle>
+  <p:extLst>
+    <p:ext uri="{EFAFB233-063F-42B5-8137-9DF3F51BA10A}">
+      <p15:sldGuideLst xmlns:p15="http://schemas.microsoft.com/office/powerpoint/2012/main"/>
+    </p:ext>
+  </p:extLst>
 </p:presentation>
 </file>
 
@@ -4640,7 +4645,7 @@
             </a:ln>
             <a:extLst>
               <a:ext uri="{909E8E84-426E-40dd-AFC4-6F175D3DCCD1}">
-                <a14:hiddenFill xmlns="" xmlns:a14="http://schemas.microsoft.com/office/drawing/2010/main">
+                <a14:hiddenFill xmlns:a14="http://schemas.microsoft.com/office/drawing/2010/main" xmlns="">
                   <a:noFill/>
                 </a14:hiddenFill>
               </a:ext>
@@ -4682,7 +4687,7 @@
             </a:ln>
             <a:extLst>
               <a:ext uri="{909E8E84-426E-40dd-AFC4-6F175D3DCCD1}">
-                <a14:hiddenFill xmlns="" xmlns:a14="http://schemas.microsoft.com/office/drawing/2010/main">
+                <a14:hiddenFill xmlns:a14="http://schemas.microsoft.com/office/drawing/2010/main" xmlns="">
                   <a:noFill/>
                 </a14:hiddenFill>
               </a:ext>
@@ -4724,7 +4729,7 @@
             </a:ln>
             <a:extLst>
               <a:ext uri="{909E8E84-426E-40dd-AFC4-6F175D3DCCD1}">
-                <a14:hiddenFill xmlns="" xmlns:a14="http://schemas.microsoft.com/office/drawing/2010/main">
+                <a14:hiddenFill xmlns:a14="http://schemas.microsoft.com/office/drawing/2010/main" xmlns="">
                   <a:noFill/>
                 </a14:hiddenFill>
               </a:ext>
@@ -4766,7 +4771,7 @@
             </a:ln>
             <a:extLst>
               <a:ext uri="{909E8E84-426E-40dd-AFC4-6F175D3DCCD1}">
-                <a14:hiddenFill xmlns="" xmlns:a14="http://schemas.microsoft.com/office/drawing/2010/main">
+                <a14:hiddenFill xmlns:a14="http://schemas.microsoft.com/office/drawing/2010/main" xmlns="">
                   <a:noFill/>
                 </a14:hiddenFill>
               </a:ext>
@@ -4808,7 +4813,7 @@
             </a:ln>
             <a:extLst>
               <a:ext uri="{909E8E84-426E-40dd-AFC4-6F175D3DCCD1}">
-                <a14:hiddenFill xmlns="" xmlns:a14="http://schemas.microsoft.com/office/drawing/2010/main">
+                <a14:hiddenFill xmlns:a14="http://schemas.microsoft.com/office/drawing/2010/main" xmlns="">
                   <a:noFill/>
                 </a14:hiddenFill>
               </a:ext>
@@ -4850,7 +4855,7 @@
             </a:ln>
             <a:extLst>
               <a:ext uri="{909E8E84-426E-40dd-AFC4-6F175D3DCCD1}">
-                <a14:hiddenFill xmlns="" xmlns:a14="http://schemas.microsoft.com/office/drawing/2010/main">
+                <a14:hiddenFill xmlns:a14="http://schemas.microsoft.com/office/drawing/2010/main" xmlns="">
                   <a:noFill/>
                 </a14:hiddenFill>
               </a:ext>
@@ -4892,7 +4897,7 @@
             </a:ln>
             <a:extLst>
               <a:ext uri="{909E8E84-426E-40dd-AFC4-6F175D3DCCD1}">
-                <a14:hiddenFill xmlns="" xmlns:a14="http://schemas.microsoft.com/office/drawing/2010/main">
+                <a14:hiddenFill xmlns:a14="http://schemas.microsoft.com/office/drawing/2010/main" xmlns="">
                   <a:noFill/>
                 </a14:hiddenFill>
               </a:ext>
@@ -4934,7 +4939,7 @@
             </a:ln>
             <a:extLst>
               <a:ext uri="{909E8E84-426E-40dd-AFC4-6F175D3DCCD1}">
-                <a14:hiddenFill xmlns="" xmlns:a14="http://schemas.microsoft.com/office/drawing/2010/main">
+                <a14:hiddenFill xmlns:a14="http://schemas.microsoft.com/office/drawing/2010/main" xmlns="">
                   <a:noFill/>
                 </a14:hiddenFill>
               </a:ext>
@@ -4969,14 +4974,14 @@
             </a:ln>
             <a:extLst>
               <a:ext uri="{909E8E84-426E-40dd-AFC4-6F175D3DCCD1}">
-                <a14:hiddenFill xmlns="" xmlns:a14="http://schemas.microsoft.com/office/drawing/2010/main">
+                <a14:hiddenFill xmlns:a14="http://schemas.microsoft.com/office/drawing/2010/main" xmlns="">
                   <a:solidFill>
                     <a:srgbClr val="FFFFFF"/>
                   </a:solidFill>
                 </a14:hiddenFill>
               </a:ext>
               <a:ext uri="{91240B29-F687-4f45-9708-019B960494DF}">
-                <a14:hiddenLine xmlns="" xmlns:a14="http://schemas.microsoft.com/office/drawing/2010/main" w="9525">
+                <a14:hiddenLine xmlns:a14="http://schemas.microsoft.com/office/drawing/2010/main" xmlns="" w="9525">
                   <a:solidFill>
                     <a:srgbClr val="000000"/>
                   </a:solidFill>
@@ -5040,7 +5045,7 @@
             </a:ln>
             <a:extLst>
               <a:ext uri="{909E8E84-426E-40dd-AFC4-6F175D3DCCD1}">
-                <a14:hiddenFill xmlns="" xmlns:a14="http://schemas.microsoft.com/office/drawing/2010/main">
+                <a14:hiddenFill xmlns:a14="http://schemas.microsoft.com/office/drawing/2010/main" xmlns="">
                   <a:noFill/>
                 </a14:hiddenFill>
               </a:ext>
@@ -5082,7 +5087,7 @@
             </a:ln>
             <a:extLst>
               <a:ext uri="{909E8E84-426E-40dd-AFC4-6F175D3DCCD1}">
-                <a14:hiddenFill xmlns="" xmlns:a14="http://schemas.microsoft.com/office/drawing/2010/main">
+                <a14:hiddenFill xmlns:a14="http://schemas.microsoft.com/office/drawing/2010/main" xmlns="">
                   <a:noFill/>
                 </a14:hiddenFill>
               </a:ext>
@@ -5124,7 +5129,7 @@
             </a:ln>
             <a:extLst>
               <a:ext uri="{909E8E84-426E-40dd-AFC4-6F175D3DCCD1}">
-                <a14:hiddenFill xmlns="" xmlns:a14="http://schemas.microsoft.com/office/drawing/2010/main">
+                <a14:hiddenFill xmlns:a14="http://schemas.microsoft.com/office/drawing/2010/main" xmlns="">
                   <a:noFill/>
                 </a14:hiddenFill>
               </a:ext>
@@ -5166,7 +5171,7 @@
             </a:ln>
             <a:extLst>
               <a:ext uri="{909E8E84-426E-40dd-AFC4-6F175D3DCCD1}">
-                <a14:hiddenFill xmlns="" xmlns:a14="http://schemas.microsoft.com/office/drawing/2010/main">
+                <a14:hiddenFill xmlns:a14="http://schemas.microsoft.com/office/drawing/2010/main" xmlns="">
                   <a:noFill/>
                 </a14:hiddenFill>
               </a:ext>
@@ -5524,7 +5529,7 @@
               </a:ln>
               <a:extLst>
                 <a:ext uri="{909E8E84-426E-40dd-AFC4-6F175D3DCCD1}">
-                  <a14:hiddenFill xmlns="" xmlns:a14="http://schemas.microsoft.com/office/drawing/2010/main">
+                  <a14:hiddenFill xmlns:a14="http://schemas.microsoft.com/office/drawing/2010/main" xmlns="">
                     <a:noFill/>
                   </a14:hiddenFill>
                 </a:ext>
@@ -5566,7 +5571,7 @@
               </a:ln>
               <a:extLst>
                 <a:ext uri="{909E8E84-426E-40dd-AFC4-6F175D3DCCD1}">
-                  <a14:hiddenFill xmlns="" xmlns:a14="http://schemas.microsoft.com/office/drawing/2010/main">
+                  <a14:hiddenFill xmlns:a14="http://schemas.microsoft.com/office/drawing/2010/main" xmlns="">
                     <a:noFill/>
                   </a14:hiddenFill>
                 </a:ext>
@@ -5608,7 +5613,7 @@
               </a:ln>
               <a:extLst>
                 <a:ext uri="{909E8E84-426E-40dd-AFC4-6F175D3DCCD1}">
-                  <a14:hiddenFill xmlns="" xmlns:a14="http://schemas.microsoft.com/office/drawing/2010/main">
+                  <a14:hiddenFill xmlns:a14="http://schemas.microsoft.com/office/drawing/2010/main" xmlns="">
                     <a:noFill/>
                   </a14:hiddenFill>
                 </a:ext>
@@ -5650,7 +5655,7 @@
               </a:ln>
               <a:extLst>
                 <a:ext uri="{909E8E84-426E-40dd-AFC4-6F175D3DCCD1}">
-                  <a14:hiddenFill xmlns="" xmlns:a14="http://schemas.microsoft.com/office/drawing/2010/main">
+                  <a14:hiddenFill xmlns:a14="http://schemas.microsoft.com/office/drawing/2010/main" xmlns="">
                     <a:noFill/>
                   </a14:hiddenFill>
                 </a:ext>
@@ -5692,7 +5697,7 @@
               </a:ln>
               <a:extLst>
                 <a:ext uri="{909E8E84-426E-40dd-AFC4-6F175D3DCCD1}">
-                  <a14:hiddenFill xmlns="" xmlns:a14="http://schemas.microsoft.com/office/drawing/2010/main">
+                  <a14:hiddenFill xmlns:a14="http://schemas.microsoft.com/office/drawing/2010/main" xmlns="">
                     <a:noFill/>
                   </a14:hiddenFill>
                 </a:ext>
@@ -6052,7 +6057,7 @@
                 </a:ln>
                 <a:extLst>
                   <a:ext uri="{909E8E84-426E-40dd-AFC4-6F175D3DCCD1}">
-                    <a14:hiddenFill xmlns="" xmlns:a14="http://schemas.microsoft.com/office/drawing/2010/main">
+                    <a14:hiddenFill xmlns:a14="http://schemas.microsoft.com/office/drawing/2010/main" xmlns="">
                       <a:noFill/>
                     </a14:hiddenFill>
                   </a:ext>
@@ -6094,7 +6099,7 @@
                 </a:ln>
                 <a:extLst>
                   <a:ext uri="{909E8E84-426E-40dd-AFC4-6F175D3DCCD1}">
-                    <a14:hiddenFill xmlns="" xmlns:a14="http://schemas.microsoft.com/office/drawing/2010/main">
+                    <a14:hiddenFill xmlns:a14="http://schemas.microsoft.com/office/drawing/2010/main" xmlns="">
                       <a:noFill/>
                     </a14:hiddenFill>
                   </a:ext>
@@ -6136,7 +6141,7 @@
                 </a:ln>
                 <a:extLst>
                   <a:ext uri="{909E8E84-426E-40dd-AFC4-6F175D3DCCD1}">
-                    <a14:hiddenFill xmlns="" xmlns:a14="http://schemas.microsoft.com/office/drawing/2010/main">
+                    <a14:hiddenFill xmlns:a14="http://schemas.microsoft.com/office/drawing/2010/main" xmlns="">
                       <a:noFill/>
                     </a14:hiddenFill>
                   </a:ext>
@@ -6178,7 +6183,7 @@
                 </a:ln>
                 <a:extLst>
                   <a:ext uri="{909E8E84-426E-40dd-AFC4-6F175D3DCCD1}">
-                    <a14:hiddenFill xmlns="" xmlns:a14="http://schemas.microsoft.com/office/drawing/2010/main">
+                    <a14:hiddenFill xmlns:a14="http://schemas.microsoft.com/office/drawing/2010/main" xmlns="">
                       <a:noFill/>
                     </a14:hiddenFill>
                   </a:ext>
@@ -6663,14 +6668,14 @@
                 </a:ln>
                 <a:extLst>
                   <a:ext uri="{909E8E84-426E-40dd-AFC4-6F175D3DCCD1}">
-                    <a14:hiddenFill xmlns="" xmlns:a14="http://schemas.microsoft.com/office/drawing/2010/main">
+                    <a14:hiddenFill xmlns:a14="http://schemas.microsoft.com/office/drawing/2010/main" xmlns="">
                       <a:solidFill>
                         <a:srgbClr val="FFFFFF"/>
                       </a:solidFill>
                     </a14:hiddenFill>
                   </a:ext>
                   <a:ext uri="{91240B29-F687-4f45-9708-019B960494DF}">
-                    <a14:hiddenLine xmlns="" xmlns:a14="http://schemas.microsoft.com/office/drawing/2010/main" w="9525">
+                    <a14:hiddenLine xmlns:a14="http://schemas.microsoft.com/office/drawing/2010/main" xmlns="" w="9525">
                       <a:solidFill>
                         <a:srgbClr val="000000"/>
                       </a:solidFill>
@@ -6733,7 +6738,7 @@
                 </a:ln>
                 <a:extLst>
                   <a:ext uri="{909E8E84-426E-40dd-AFC4-6F175D3DCCD1}">
-                    <a14:hiddenFill xmlns="" xmlns:a14="http://schemas.microsoft.com/office/drawing/2010/main">
+                    <a14:hiddenFill xmlns:a14="http://schemas.microsoft.com/office/drawing/2010/main" xmlns="">
                       <a:noFill/>
                     </a14:hiddenFill>
                   </a:ext>
@@ -6773,7 +6778,7 @@
                 </a:ln>
                 <a:extLst>
                   <a:ext uri="{909E8E84-426E-40dd-AFC4-6F175D3DCCD1}">
-                    <a14:hiddenFill xmlns="" xmlns:a14="http://schemas.microsoft.com/office/drawing/2010/main">
+                    <a14:hiddenFill xmlns:a14="http://schemas.microsoft.com/office/drawing/2010/main" xmlns="">
                       <a:noFill/>
                     </a14:hiddenFill>
                   </a:ext>
@@ -7134,7 +7139,7 @@
                 </a:ln>
                 <a:extLst>
                   <a:ext uri="{909E8E84-426E-40dd-AFC4-6F175D3DCCD1}">
-                    <a14:hiddenFill xmlns="" xmlns:a14="http://schemas.microsoft.com/office/drawing/2010/main">
+                    <a14:hiddenFill xmlns:a14="http://schemas.microsoft.com/office/drawing/2010/main" xmlns="">
                       <a:noFill/>
                     </a14:hiddenFill>
                   </a:ext>
@@ -7176,7 +7181,7 @@
                 </a:ln>
                 <a:extLst>
                   <a:ext uri="{909E8E84-426E-40dd-AFC4-6F175D3DCCD1}">
-                    <a14:hiddenFill xmlns="" xmlns:a14="http://schemas.microsoft.com/office/drawing/2010/main">
+                    <a14:hiddenFill xmlns:a14="http://schemas.microsoft.com/office/drawing/2010/main" xmlns="">
                       <a:noFill/>
                     </a14:hiddenFill>
                   </a:ext>
@@ -7218,7 +7223,7 @@
                 </a:ln>
                 <a:extLst>
                   <a:ext uri="{909E8E84-426E-40dd-AFC4-6F175D3DCCD1}">
-                    <a14:hiddenFill xmlns="" xmlns:a14="http://schemas.microsoft.com/office/drawing/2010/main">
+                    <a14:hiddenFill xmlns:a14="http://schemas.microsoft.com/office/drawing/2010/main" xmlns="">
                       <a:noFill/>
                     </a14:hiddenFill>
                   </a:ext>
@@ -7260,7 +7265,7 @@
                 </a:ln>
                 <a:extLst>
                   <a:ext uri="{909E8E84-426E-40dd-AFC4-6F175D3DCCD1}">
-                    <a14:hiddenFill xmlns="" xmlns:a14="http://schemas.microsoft.com/office/drawing/2010/main">
+                    <a14:hiddenFill xmlns:a14="http://schemas.microsoft.com/office/drawing/2010/main" xmlns="">
                       <a:noFill/>
                     </a14:hiddenFill>
                   </a:ext>
@@ -7745,14 +7750,14 @@
                 </a:ln>
                 <a:extLst>
                   <a:ext uri="{909E8E84-426E-40dd-AFC4-6F175D3DCCD1}">
-                    <a14:hiddenFill xmlns="" xmlns:a14="http://schemas.microsoft.com/office/drawing/2010/main">
+                    <a14:hiddenFill xmlns:a14="http://schemas.microsoft.com/office/drawing/2010/main" xmlns="">
                       <a:solidFill>
                         <a:srgbClr val="FFFFFF"/>
                       </a:solidFill>
                     </a14:hiddenFill>
                   </a:ext>
                   <a:ext uri="{91240B29-F687-4f45-9708-019B960494DF}">
-                    <a14:hiddenLine xmlns="" xmlns:a14="http://schemas.microsoft.com/office/drawing/2010/main" w="9525">
+                    <a14:hiddenLine xmlns:a14="http://schemas.microsoft.com/office/drawing/2010/main" xmlns="" w="9525">
                       <a:solidFill>
                         <a:srgbClr val="000000"/>
                       </a:solidFill>
@@ -7815,7 +7820,7 @@
                 </a:ln>
                 <a:extLst>
                   <a:ext uri="{909E8E84-426E-40dd-AFC4-6F175D3DCCD1}">
-                    <a14:hiddenFill xmlns="" xmlns:a14="http://schemas.microsoft.com/office/drawing/2010/main">
+                    <a14:hiddenFill xmlns:a14="http://schemas.microsoft.com/office/drawing/2010/main" xmlns="">
                       <a:noFill/>
                     </a14:hiddenFill>
                   </a:ext>
@@ -7855,7 +7860,7 @@
                 </a:ln>
                 <a:extLst>
                   <a:ext uri="{909E8E84-426E-40dd-AFC4-6F175D3DCCD1}">
-                    <a14:hiddenFill xmlns="" xmlns:a14="http://schemas.microsoft.com/office/drawing/2010/main">
+                    <a14:hiddenFill xmlns:a14="http://schemas.microsoft.com/office/drawing/2010/main" xmlns="">
                       <a:noFill/>
                     </a14:hiddenFill>
                   </a:ext>
@@ -7896,7 +7901,7 @@
               </a:ln>
               <a:extLst>
                 <a:ext uri="{909E8E84-426E-40dd-AFC4-6F175D3DCCD1}">
-                  <a14:hiddenFill xmlns="" xmlns:a14="http://schemas.microsoft.com/office/drawing/2010/main">
+                  <a14:hiddenFill xmlns:a14="http://schemas.microsoft.com/office/drawing/2010/main" xmlns="">
                     <a:noFill/>
                   </a14:hiddenFill>
                 </a:ext>
@@ -7936,7 +7941,7 @@
               </a:ln>
               <a:extLst>
                 <a:ext uri="{909E8E84-426E-40dd-AFC4-6F175D3DCCD1}">
-                  <a14:hiddenFill xmlns="" xmlns:a14="http://schemas.microsoft.com/office/drawing/2010/main">
+                  <a14:hiddenFill xmlns:a14="http://schemas.microsoft.com/office/drawing/2010/main" xmlns="">
                     <a:noFill/>
                   </a14:hiddenFill>
                 </a:ext>
@@ -7976,7 +7981,7 @@
               </a:ln>
               <a:extLst>
                 <a:ext uri="{909E8E84-426E-40dd-AFC4-6F175D3DCCD1}">
-                  <a14:hiddenFill xmlns="" xmlns:a14="http://schemas.microsoft.com/office/drawing/2010/main">
+                  <a14:hiddenFill xmlns:a14="http://schemas.microsoft.com/office/drawing/2010/main" xmlns="">
                     <a:noFill/>
                   </a14:hiddenFill>
                 </a:ext>
@@ -8016,7 +8021,7 @@
               </a:ln>
               <a:extLst>
                 <a:ext uri="{909E8E84-426E-40dd-AFC4-6F175D3DCCD1}">
-                  <a14:hiddenFill xmlns="" xmlns:a14="http://schemas.microsoft.com/office/drawing/2010/main">
+                  <a14:hiddenFill xmlns:a14="http://schemas.microsoft.com/office/drawing/2010/main" xmlns="">
                     <a:noFill/>
                   </a14:hiddenFill>
                 </a:ext>
@@ -8375,7 +8380,7 @@
               </a:ln>
               <a:extLst>
                 <a:ext uri="{909E8E84-426E-40dd-AFC4-6F175D3DCCD1}">
-                  <a14:hiddenFill xmlns="" xmlns:a14="http://schemas.microsoft.com/office/drawing/2010/main">
+                  <a14:hiddenFill xmlns:a14="http://schemas.microsoft.com/office/drawing/2010/main" xmlns="">
                     <a:noFill/>
                   </a14:hiddenFill>
                 </a:ext>
@@ -8417,7 +8422,7 @@
               </a:ln>
               <a:extLst>
                 <a:ext uri="{909E8E84-426E-40dd-AFC4-6F175D3DCCD1}">
-                  <a14:hiddenFill xmlns="" xmlns:a14="http://schemas.microsoft.com/office/drawing/2010/main">
+                  <a14:hiddenFill xmlns:a14="http://schemas.microsoft.com/office/drawing/2010/main" xmlns="">
                     <a:noFill/>
                   </a14:hiddenFill>
                 </a:ext>
@@ -8459,7 +8464,7 @@
               </a:ln>
               <a:extLst>
                 <a:ext uri="{909E8E84-426E-40dd-AFC4-6F175D3DCCD1}">
-                  <a14:hiddenFill xmlns="" xmlns:a14="http://schemas.microsoft.com/office/drawing/2010/main">
+                  <a14:hiddenFill xmlns:a14="http://schemas.microsoft.com/office/drawing/2010/main" xmlns="">
                     <a:noFill/>
                   </a14:hiddenFill>
                 </a:ext>
@@ -8501,7 +8506,7 @@
               </a:ln>
               <a:extLst>
                 <a:ext uri="{909E8E84-426E-40dd-AFC4-6F175D3DCCD1}">
-                  <a14:hiddenFill xmlns="" xmlns:a14="http://schemas.microsoft.com/office/drawing/2010/main">
+                  <a14:hiddenFill xmlns:a14="http://schemas.microsoft.com/office/drawing/2010/main" xmlns="">
                     <a:noFill/>
                   </a14:hiddenFill>
                 </a:ext>
@@ -8543,7 +8548,7 @@
               </a:ln>
               <a:extLst>
                 <a:ext uri="{909E8E84-426E-40dd-AFC4-6F175D3DCCD1}">
-                  <a14:hiddenFill xmlns="" xmlns:a14="http://schemas.microsoft.com/office/drawing/2010/main">
+                  <a14:hiddenFill xmlns:a14="http://schemas.microsoft.com/office/drawing/2010/main" xmlns="">
                     <a:noFill/>
                   </a14:hiddenFill>
                 </a:ext>
@@ -8903,7 +8908,7 @@
                 </a:ln>
                 <a:extLst>
                   <a:ext uri="{909E8E84-426E-40dd-AFC4-6F175D3DCCD1}">
-                    <a14:hiddenFill xmlns="" xmlns:a14="http://schemas.microsoft.com/office/drawing/2010/main">
+                    <a14:hiddenFill xmlns:a14="http://schemas.microsoft.com/office/drawing/2010/main" xmlns="">
                       <a:noFill/>
                     </a14:hiddenFill>
                   </a:ext>
@@ -8945,7 +8950,7 @@
                 </a:ln>
                 <a:extLst>
                   <a:ext uri="{909E8E84-426E-40dd-AFC4-6F175D3DCCD1}">
-                    <a14:hiddenFill xmlns="" xmlns:a14="http://schemas.microsoft.com/office/drawing/2010/main">
+                    <a14:hiddenFill xmlns:a14="http://schemas.microsoft.com/office/drawing/2010/main" xmlns="">
                       <a:noFill/>
                     </a14:hiddenFill>
                   </a:ext>
@@ -8987,7 +8992,7 @@
                 </a:ln>
                 <a:extLst>
                   <a:ext uri="{909E8E84-426E-40dd-AFC4-6F175D3DCCD1}">
-                    <a14:hiddenFill xmlns="" xmlns:a14="http://schemas.microsoft.com/office/drawing/2010/main">
+                    <a14:hiddenFill xmlns:a14="http://schemas.microsoft.com/office/drawing/2010/main" xmlns="">
                       <a:noFill/>
                     </a14:hiddenFill>
                   </a:ext>
@@ -9029,7 +9034,7 @@
                 </a:ln>
                 <a:extLst>
                   <a:ext uri="{909E8E84-426E-40dd-AFC4-6F175D3DCCD1}">
-                    <a14:hiddenFill xmlns="" xmlns:a14="http://schemas.microsoft.com/office/drawing/2010/main">
+                    <a14:hiddenFill xmlns:a14="http://schemas.microsoft.com/office/drawing/2010/main" xmlns="">
                       <a:noFill/>
                     </a14:hiddenFill>
                   </a:ext>
@@ -9514,14 +9519,14 @@
                 </a:ln>
                 <a:extLst>
                   <a:ext uri="{909E8E84-426E-40dd-AFC4-6F175D3DCCD1}">
-                    <a14:hiddenFill xmlns="" xmlns:a14="http://schemas.microsoft.com/office/drawing/2010/main">
+                    <a14:hiddenFill xmlns:a14="http://schemas.microsoft.com/office/drawing/2010/main" xmlns="">
                       <a:solidFill>
                         <a:srgbClr val="FFFFFF"/>
                       </a:solidFill>
                     </a14:hiddenFill>
                   </a:ext>
                   <a:ext uri="{91240B29-F687-4f45-9708-019B960494DF}">
-                    <a14:hiddenLine xmlns="" xmlns:a14="http://schemas.microsoft.com/office/drawing/2010/main" w="9525">
+                    <a14:hiddenLine xmlns:a14="http://schemas.microsoft.com/office/drawing/2010/main" xmlns="" w="9525">
                       <a:solidFill>
                         <a:srgbClr val="000000"/>
                       </a:solidFill>
@@ -9584,7 +9589,7 @@
                 </a:ln>
                 <a:extLst>
                   <a:ext uri="{909E8E84-426E-40dd-AFC4-6F175D3DCCD1}">
-                    <a14:hiddenFill xmlns="" xmlns:a14="http://schemas.microsoft.com/office/drawing/2010/main">
+                    <a14:hiddenFill xmlns:a14="http://schemas.microsoft.com/office/drawing/2010/main" xmlns="">
                       <a:noFill/>
                     </a14:hiddenFill>
                   </a:ext>
@@ -9624,7 +9629,7 @@
                 </a:ln>
                 <a:extLst>
                   <a:ext uri="{909E8E84-426E-40dd-AFC4-6F175D3DCCD1}">
-                    <a14:hiddenFill xmlns="" xmlns:a14="http://schemas.microsoft.com/office/drawing/2010/main">
+                    <a14:hiddenFill xmlns:a14="http://schemas.microsoft.com/office/drawing/2010/main" xmlns="">
                       <a:noFill/>
                     </a14:hiddenFill>
                   </a:ext>
@@ -9985,7 +9990,7 @@
                 </a:ln>
                 <a:extLst>
                   <a:ext uri="{909E8E84-426E-40dd-AFC4-6F175D3DCCD1}">
-                    <a14:hiddenFill xmlns="" xmlns:a14="http://schemas.microsoft.com/office/drawing/2010/main">
+                    <a14:hiddenFill xmlns:a14="http://schemas.microsoft.com/office/drawing/2010/main" xmlns="">
                       <a:noFill/>
                     </a14:hiddenFill>
                   </a:ext>
@@ -10027,7 +10032,7 @@
                 </a:ln>
                 <a:extLst>
                   <a:ext uri="{909E8E84-426E-40dd-AFC4-6F175D3DCCD1}">
-                    <a14:hiddenFill xmlns="" xmlns:a14="http://schemas.microsoft.com/office/drawing/2010/main">
+                    <a14:hiddenFill xmlns:a14="http://schemas.microsoft.com/office/drawing/2010/main" xmlns="">
                       <a:noFill/>
                     </a14:hiddenFill>
                   </a:ext>
@@ -10069,7 +10074,7 @@
                 </a:ln>
                 <a:extLst>
                   <a:ext uri="{909E8E84-426E-40dd-AFC4-6F175D3DCCD1}">
-                    <a14:hiddenFill xmlns="" xmlns:a14="http://schemas.microsoft.com/office/drawing/2010/main">
+                    <a14:hiddenFill xmlns:a14="http://schemas.microsoft.com/office/drawing/2010/main" xmlns="">
                       <a:noFill/>
                     </a14:hiddenFill>
                   </a:ext>
@@ -10554,14 +10559,14 @@
                 </a:ln>
                 <a:extLst>
                   <a:ext uri="{909E8E84-426E-40dd-AFC4-6F175D3DCCD1}">
-                    <a14:hiddenFill xmlns="" xmlns:a14="http://schemas.microsoft.com/office/drawing/2010/main">
+                    <a14:hiddenFill xmlns:a14="http://schemas.microsoft.com/office/drawing/2010/main" xmlns="">
                       <a:solidFill>
                         <a:srgbClr val="FFFFFF"/>
                       </a:solidFill>
                     </a14:hiddenFill>
                   </a:ext>
                   <a:ext uri="{91240B29-F687-4f45-9708-019B960494DF}">
-                    <a14:hiddenLine xmlns="" xmlns:a14="http://schemas.microsoft.com/office/drawing/2010/main" w="9525">
+                    <a14:hiddenLine xmlns:a14="http://schemas.microsoft.com/office/drawing/2010/main" xmlns="" w="9525">
                       <a:solidFill>
                         <a:srgbClr val="000000"/>
                       </a:solidFill>
@@ -10624,7 +10629,7 @@
                 </a:ln>
                 <a:extLst>
                   <a:ext uri="{909E8E84-426E-40dd-AFC4-6F175D3DCCD1}">
-                    <a14:hiddenFill xmlns="" xmlns:a14="http://schemas.microsoft.com/office/drawing/2010/main">
+                    <a14:hiddenFill xmlns:a14="http://schemas.microsoft.com/office/drawing/2010/main" xmlns="">
                       <a:noFill/>
                     </a14:hiddenFill>
                   </a:ext>
@@ -10664,7 +10669,7 @@
                 </a:ln>
                 <a:extLst>
                   <a:ext uri="{909E8E84-426E-40dd-AFC4-6F175D3DCCD1}">
-                    <a14:hiddenFill xmlns="" xmlns:a14="http://schemas.microsoft.com/office/drawing/2010/main">
+                    <a14:hiddenFill xmlns:a14="http://schemas.microsoft.com/office/drawing/2010/main" xmlns="">
                       <a:noFill/>
                     </a14:hiddenFill>
                   </a:ext>
@@ -10705,7 +10710,7 @@
               </a:ln>
               <a:extLst>
                 <a:ext uri="{909E8E84-426E-40dd-AFC4-6F175D3DCCD1}">
-                  <a14:hiddenFill xmlns="" xmlns:a14="http://schemas.microsoft.com/office/drawing/2010/main">
+                  <a14:hiddenFill xmlns:a14="http://schemas.microsoft.com/office/drawing/2010/main" xmlns="">
                     <a:noFill/>
                   </a14:hiddenFill>
                 </a:ext>
@@ -10745,7 +10750,7 @@
               </a:ln>
               <a:extLst>
                 <a:ext uri="{909E8E84-426E-40dd-AFC4-6F175D3DCCD1}">
-                  <a14:hiddenFill xmlns="" xmlns:a14="http://schemas.microsoft.com/office/drawing/2010/main">
+                  <a14:hiddenFill xmlns:a14="http://schemas.microsoft.com/office/drawing/2010/main" xmlns="">
                     <a:noFill/>
                   </a14:hiddenFill>
                 </a:ext>
@@ -10785,7 +10790,7 @@
               </a:ln>
               <a:extLst>
                 <a:ext uri="{909E8E84-426E-40dd-AFC4-6F175D3DCCD1}">
-                  <a14:hiddenFill xmlns="" xmlns:a14="http://schemas.microsoft.com/office/drawing/2010/main">
+                  <a14:hiddenFill xmlns:a14="http://schemas.microsoft.com/office/drawing/2010/main" xmlns="">
                     <a:noFill/>
                   </a14:hiddenFill>
                 </a:ext>
@@ -10825,7 +10830,7 @@
               </a:ln>
               <a:extLst>
                 <a:ext uri="{909E8E84-426E-40dd-AFC4-6F175D3DCCD1}">
-                  <a14:hiddenFill xmlns="" xmlns:a14="http://schemas.microsoft.com/office/drawing/2010/main">
+                  <a14:hiddenFill xmlns:a14="http://schemas.microsoft.com/office/drawing/2010/main" xmlns="">
                     <a:noFill/>
                   </a14:hiddenFill>
                 </a:ext>
@@ -10868,7 +10873,7 @@
             </a:ln>
             <a:extLst>
               <a:ext uri="{909E8E84-426E-40dd-AFC4-6F175D3DCCD1}">
-                <a14:hiddenFill xmlns="" xmlns:a14="http://schemas.microsoft.com/office/drawing/2010/main">
+                <a14:hiddenFill xmlns:a14="http://schemas.microsoft.com/office/drawing/2010/main" xmlns="">
                   <a:noFill/>
                 </a14:hiddenFill>
               </a:ext>
@@ -10910,7 +10915,7 @@
             </a:ln>
             <a:extLst>
               <a:ext uri="{909E8E84-426E-40dd-AFC4-6F175D3DCCD1}">
-                <a14:hiddenFill xmlns="" xmlns:a14="http://schemas.microsoft.com/office/drawing/2010/main">
+                <a14:hiddenFill xmlns:a14="http://schemas.microsoft.com/office/drawing/2010/main" xmlns="">
                   <a:noFill/>
                 </a14:hiddenFill>
               </a:ext>
@@ -10952,7 +10957,7 @@
             </a:ln>
             <a:extLst>
               <a:ext uri="{909E8E84-426E-40dd-AFC4-6F175D3DCCD1}">
-                <a14:hiddenFill xmlns="" xmlns:a14="http://schemas.microsoft.com/office/drawing/2010/main">
+                <a14:hiddenFill xmlns:a14="http://schemas.microsoft.com/office/drawing/2010/main" xmlns="">
                   <a:noFill/>
                 </a14:hiddenFill>
               </a:ext>
@@ -10994,7 +10999,7 @@
             </a:ln>
             <a:extLst>
               <a:ext uri="{909E8E84-426E-40dd-AFC4-6F175D3DCCD1}">
-                <a14:hiddenFill xmlns="" xmlns:a14="http://schemas.microsoft.com/office/drawing/2010/main">
+                <a14:hiddenFill xmlns:a14="http://schemas.microsoft.com/office/drawing/2010/main" xmlns="">
                   <a:noFill/>
                 </a14:hiddenFill>
               </a:ext>
@@ -11190,6 +11195,53 @@
             <a:r>
               <a:rPr lang="en-US" sz="2000" b="1" dirty="0"/>
               <a:t>top-Z heavyflows</a:t>
+            </a:r>
+          </a:p>
+        </p:txBody>
+      </p:sp>
+      <p:sp>
+        <p:nvSpPr>
+          <p:cNvPr id="2" name="TextBox 1">
+            <a:extLst>
+              <a:ext uri="{FF2B5EF4-FFF2-40B4-BE49-F238E27FC236}">
+                <a16:creationId xmlns:a16="http://schemas.microsoft.com/office/drawing/2014/main" id="{23E02DA3-02F5-C446-ACD1-DB6E294AC2B1}"/>
+              </a:ext>
+            </a:extLst>
+          </p:cNvPr>
+          <p:cNvSpPr txBox="1"/>
+          <p:nvPr/>
+        </p:nvSpPr>
+        <p:spPr>
+          <a:xfrm>
+            <a:off x="76426" y="5435177"/>
+            <a:ext cx="4670125" cy="1015663"/>
+          </a:xfrm>
+          <a:prstGeom prst="rect">
+            <a:avLst/>
+          </a:prstGeom>
+          <a:noFill/>
+        </p:spPr>
+        <p:txBody>
+          <a:bodyPr wrap="none" rtlCol="0">
+            <a:spAutoFit/>
+          </a:bodyPr>
+          <a:lstStyle/>
+          <a:p>
+            <a:r>
+              <a:rPr lang="en-US" sz="2000" dirty="0"/>
+              <a:t>The NEAT idea: a data centre operator can</a:t>
+            </a:r>
+          </a:p>
+          <a:p>
+            <a:r>
+              <a:rPr lang="en-US" sz="2000" dirty="0"/>
+              <a:t>query the network and ask the switches to </a:t>
+            </a:r>
+          </a:p>
+          <a:p>
+            <a:r>
+              <a:rPr lang="en-US" sz="2000" dirty="0"/>
+              <a:t>perform traffic analysis. </a:t>
             </a:r>
           </a:p>
         </p:txBody>

--- a/figures/source.pptx
+++ b/figures/source.pptx
@@ -4645,7 +4645,7 @@
             </a:ln>
             <a:extLst>
               <a:ext uri="{909E8E84-426E-40dd-AFC4-6F175D3DCCD1}">
-                <a14:hiddenFill xmlns:a14="http://schemas.microsoft.com/office/drawing/2010/main" xmlns="">
+                <a14:hiddenFill xmlns="" xmlns:a14="http://schemas.microsoft.com/office/drawing/2010/main">
                   <a:noFill/>
                 </a14:hiddenFill>
               </a:ext>
@@ -4687,7 +4687,7 @@
             </a:ln>
             <a:extLst>
               <a:ext uri="{909E8E84-426E-40dd-AFC4-6F175D3DCCD1}">
-                <a14:hiddenFill xmlns:a14="http://schemas.microsoft.com/office/drawing/2010/main" xmlns="">
+                <a14:hiddenFill xmlns="" xmlns:a14="http://schemas.microsoft.com/office/drawing/2010/main">
                   <a:noFill/>
                 </a14:hiddenFill>
               </a:ext>
@@ -4729,7 +4729,7 @@
             </a:ln>
             <a:extLst>
               <a:ext uri="{909E8E84-426E-40dd-AFC4-6F175D3DCCD1}">
-                <a14:hiddenFill xmlns:a14="http://schemas.microsoft.com/office/drawing/2010/main" xmlns="">
+                <a14:hiddenFill xmlns="" xmlns:a14="http://schemas.microsoft.com/office/drawing/2010/main">
                   <a:noFill/>
                 </a14:hiddenFill>
               </a:ext>
@@ -4771,7 +4771,7 @@
             </a:ln>
             <a:extLst>
               <a:ext uri="{909E8E84-426E-40dd-AFC4-6F175D3DCCD1}">
-                <a14:hiddenFill xmlns:a14="http://schemas.microsoft.com/office/drawing/2010/main" xmlns="">
+                <a14:hiddenFill xmlns="" xmlns:a14="http://schemas.microsoft.com/office/drawing/2010/main">
                   <a:noFill/>
                 </a14:hiddenFill>
               </a:ext>
@@ -4813,7 +4813,7 @@
             </a:ln>
             <a:extLst>
               <a:ext uri="{909E8E84-426E-40dd-AFC4-6F175D3DCCD1}">
-                <a14:hiddenFill xmlns:a14="http://schemas.microsoft.com/office/drawing/2010/main" xmlns="">
+                <a14:hiddenFill xmlns="" xmlns:a14="http://schemas.microsoft.com/office/drawing/2010/main">
                   <a:noFill/>
                 </a14:hiddenFill>
               </a:ext>
@@ -4855,7 +4855,7 @@
             </a:ln>
             <a:extLst>
               <a:ext uri="{909E8E84-426E-40dd-AFC4-6F175D3DCCD1}">
-                <a14:hiddenFill xmlns:a14="http://schemas.microsoft.com/office/drawing/2010/main" xmlns="">
+                <a14:hiddenFill xmlns="" xmlns:a14="http://schemas.microsoft.com/office/drawing/2010/main">
                   <a:noFill/>
                 </a14:hiddenFill>
               </a:ext>
@@ -4897,7 +4897,7 @@
             </a:ln>
             <a:extLst>
               <a:ext uri="{909E8E84-426E-40dd-AFC4-6F175D3DCCD1}">
-                <a14:hiddenFill xmlns:a14="http://schemas.microsoft.com/office/drawing/2010/main" xmlns="">
+                <a14:hiddenFill xmlns="" xmlns:a14="http://schemas.microsoft.com/office/drawing/2010/main">
                   <a:noFill/>
                 </a14:hiddenFill>
               </a:ext>
@@ -4939,7 +4939,7 @@
             </a:ln>
             <a:extLst>
               <a:ext uri="{909E8E84-426E-40dd-AFC4-6F175D3DCCD1}">
-                <a14:hiddenFill xmlns:a14="http://schemas.microsoft.com/office/drawing/2010/main" xmlns="">
+                <a14:hiddenFill xmlns="" xmlns:a14="http://schemas.microsoft.com/office/drawing/2010/main">
                   <a:noFill/>
                 </a14:hiddenFill>
               </a:ext>
@@ -4974,14 +4974,14 @@
             </a:ln>
             <a:extLst>
               <a:ext uri="{909E8E84-426E-40dd-AFC4-6F175D3DCCD1}">
-                <a14:hiddenFill xmlns:a14="http://schemas.microsoft.com/office/drawing/2010/main" xmlns="">
+                <a14:hiddenFill xmlns="" xmlns:a14="http://schemas.microsoft.com/office/drawing/2010/main">
                   <a:solidFill>
                     <a:srgbClr val="FFFFFF"/>
                   </a:solidFill>
                 </a14:hiddenFill>
               </a:ext>
               <a:ext uri="{91240B29-F687-4f45-9708-019B960494DF}">
-                <a14:hiddenLine xmlns:a14="http://schemas.microsoft.com/office/drawing/2010/main" xmlns="" w="9525">
+                <a14:hiddenLine xmlns="" xmlns:a14="http://schemas.microsoft.com/office/drawing/2010/main" w="9525">
                   <a:solidFill>
                     <a:srgbClr val="000000"/>
                   </a:solidFill>
@@ -5045,7 +5045,7 @@
             </a:ln>
             <a:extLst>
               <a:ext uri="{909E8E84-426E-40dd-AFC4-6F175D3DCCD1}">
-                <a14:hiddenFill xmlns:a14="http://schemas.microsoft.com/office/drawing/2010/main" xmlns="">
+                <a14:hiddenFill xmlns="" xmlns:a14="http://schemas.microsoft.com/office/drawing/2010/main">
                   <a:noFill/>
                 </a14:hiddenFill>
               </a:ext>
@@ -5087,7 +5087,7 @@
             </a:ln>
             <a:extLst>
               <a:ext uri="{909E8E84-426E-40dd-AFC4-6F175D3DCCD1}">
-                <a14:hiddenFill xmlns:a14="http://schemas.microsoft.com/office/drawing/2010/main" xmlns="">
+                <a14:hiddenFill xmlns="" xmlns:a14="http://schemas.microsoft.com/office/drawing/2010/main">
                   <a:noFill/>
                 </a14:hiddenFill>
               </a:ext>
@@ -5129,7 +5129,7 @@
             </a:ln>
             <a:extLst>
               <a:ext uri="{909E8E84-426E-40dd-AFC4-6F175D3DCCD1}">
-                <a14:hiddenFill xmlns:a14="http://schemas.microsoft.com/office/drawing/2010/main" xmlns="">
+                <a14:hiddenFill xmlns="" xmlns:a14="http://schemas.microsoft.com/office/drawing/2010/main">
                   <a:noFill/>
                 </a14:hiddenFill>
               </a:ext>
@@ -5171,7 +5171,7 @@
             </a:ln>
             <a:extLst>
               <a:ext uri="{909E8E84-426E-40dd-AFC4-6F175D3DCCD1}">
-                <a14:hiddenFill xmlns:a14="http://schemas.microsoft.com/office/drawing/2010/main" xmlns="">
+                <a14:hiddenFill xmlns="" xmlns:a14="http://schemas.microsoft.com/office/drawing/2010/main">
                   <a:noFill/>
                 </a14:hiddenFill>
               </a:ext>
@@ -5529,7 +5529,7 @@
               </a:ln>
               <a:extLst>
                 <a:ext uri="{909E8E84-426E-40dd-AFC4-6F175D3DCCD1}">
-                  <a14:hiddenFill xmlns:a14="http://schemas.microsoft.com/office/drawing/2010/main" xmlns="">
+                  <a14:hiddenFill xmlns="" xmlns:a14="http://schemas.microsoft.com/office/drawing/2010/main">
                     <a:noFill/>
                   </a14:hiddenFill>
                 </a:ext>
@@ -5571,7 +5571,7 @@
               </a:ln>
               <a:extLst>
                 <a:ext uri="{909E8E84-426E-40dd-AFC4-6F175D3DCCD1}">
-                  <a14:hiddenFill xmlns:a14="http://schemas.microsoft.com/office/drawing/2010/main" xmlns="">
+                  <a14:hiddenFill xmlns="" xmlns:a14="http://schemas.microsoft.com/office/drawing/2010/main">
                     <a:noFill/>
                   </a14:hiddenFill>
                 </a:ext>
@@ -5613,7 +5613,7 @@
               </a:ln>
               <a:extLst>
                 <a:ext uri="{909E8E84-426E-40dd-AFC4-6F175D3DCCD1}">
-                  <a14:hiddenFill xmlns:a14="http://schemas.microsoft.com/office/drawing/2010/main" xmlns="">
+                  <a14:hiddenFill xmlns="" xmlns:a14="http://schemas.microsoft.com/office/drawing/2010/main">
                     <a:noFill/>
                   </a14:hiddenFill>
                 </a:ext>
@@ -5655,7 +5655,7 @@
               </a:ln>
               <a:extLst>
                 <a:ext uri="{909E8E84-426E-40dd-AFC4-6F175D3DCCD1}">
-                  <a14:hiddenFill xmlns:a14="http://schemas.microsoft.com/office/drawing/2010/main" xmlns="">
+                  <a14:hiddenFill xmlns="" xmlns:a14="http://schemas.microsoft.com/office/drawing/2010/main">
                     <a:noFill/>
                   </a14:hiddenFill>
                 </a:ext>
@@ -5697,7 +5697,7 @@
               </a:ln>
               <a:extLst>
                 <a:ext uri="{909E8E84-426E-40dd-AFC4-6F175D3DCCD1}">
-                  <a14:hiddenFill xmlns:a14="http://schemas.microsoft.com/office/drawing/2010/main" xmlns="">
+                  <a14:hiddenFill xmlns="" xmlns:a14="http://schemas.microsoft.com/office/drawing/2010/main">
                     <a:noFill/>
                   </a14:hiddenFill>
                 </a:ext>
@@ -6057,7 +6057,7 @@
                 </a:ln>
                 <a:extLst>
                   <a:ext uri="{909E8E84-426E-40dd-AFC4-6F175D3DCCD1}">
-                    <a14:hiddenFill xmlns:a14="http://schemas.microsoft.com/office/drawing/2010/main" xmlns="">
+                    <a14:hiddenFill xmlns="" xmlns:a14="http://schemas.microsoft.com/office/drawing/2010/main">
                       <a:noFill/>
                     </a14:hiddenFill>
                   </a:ext>
@@ -6099,7 +6099,7 @@
                 </a:ln>
                 <a:extLst>
                   <a:ext uri="{909E8E84-426E-40dd-AFC4-6F175D3DCCD1}">
-                    <a14:hiddenFill xmlns:a14="http://schemas.microsoft.com/office/drawing/2010/main" xmlns="">
+                    <a14:hiddenFill xmlns="" xmlns:a14="http://schemas.microsoft.com/office/drawing/2010/main">
                       <a:noFill/>
                     </a14:hiddenFill>
                   </a:ext>
@@ -6141,7 +6141,7 @@
                 </a:ln>
                 <a:extLst>
                   <a:ext uri="{909E8E84-426E-40dd-AFC4-6F175D3DCCD1}">
-                    <a14:hiddenFill xmlns:a14="http://schemas.microsoft.com/office/drawing/2010/main" xmlns="">
+                    <a14:hiddenFill xmlns="" xmlns:a14="http://schemas.microsoft.com/office/drawing/2010/main">
                       <a:noFill/>
                     </a14:hiddenFill>
                   </a:ext>
@@ -6183,7 +6183,7 @@
                 </a:ln>
                 <a:extLst>
                   <a:ext uri="{909E8E84-426E-40dd-AFC4-6F175D3DCCD1}">
-                    <a14:hiddenFill xmlns:a14="http://schemas.microsoft.com/office/drawing/2010/main" xmlns="">
+                    <a14:hiddenFill xmlns="" xmlns:a14="http://schemas.microsoft.com/office/drawing/2010/main">
                       <a:noFill/>
                     </a14:hiddenFill>
                   </a:ext>
@@ -6668,14 +6668,14 @@
                 </a:ln>
                 <a:extLst>
                   <a:ext uri="{909E8E84-426E-40dd-AFC4-6F175D3DCCD1}">
-                    <a14:hiddenFill xmlns:a14="http://schemas.microsoft.com/office/drawing/2010/main" xmlns="">
+                    <a14:hiddenFill xmlns="" xmlns:a14="http://schemas.microsoft.com/office/drawing/2010/main">
                       <a:solidFill>
                         <a:srgbClr val="FFFFFF"/>
                       </a:solidFill>
                     </a14:hiddenFill>
                   </a:ext>
                   <a:ext uri="{91240B29-F687-4f45-9708-019B960494DF}">
-                    <a14:hiddenLine xmlns:a14="http://schemas.microsoft.com/office/drawing/2010/main" xmlns="" w="9525">
+                    <a14:hiddenLine xmlns="" xmlns:a14="http://schemas.microsoft.com/office/drawing/2010/main" w="9525">
                       <a:solidFill>
                         <a:srgbClr val="000000"/>
                       </a:solidFill>
@@ -6738,7 +6738,7 @@
                 </a:ln>
                 <a:extLst>
                   <a:ext uri="{909E8E84-426E-40dd-AFC4-6F175D3DCCD1}">
-                    <a14:hiddenFill xmlns:a14="http://schemas.microsoft.com/office/drawing/2010/main" xmlns="">
+                    <a14:hiddenFill xmlns="" xmlns:a14="http://schemas.microsoft.com/office/drawing/2010/main">
                       <a:noFill/>
                     </a14:hiddenFill>
                   </a:ext>
@@ -6778,7 +6778,7 @@
                 </a:ln>
                 <a:extLst>
                   <a:ext uri="{909E8E84-426E-40dd-AFC4-6F175D3DCCD1}">
-                    <a14:hiddenFill xmlns:a14="http://schemas.microsoft.com/office/drawing/2010/main" xmlns="">
+                    <a14:hiddenFill xmlns="" xmlns:a14="http://schemas.microsoft.com/office/drawing/2010/main">
                       <a:noFill/>
                     </a14:hiddenFill>
                   </a:ext>
@@ -7139,7 +7139,7 @@
                 </a:ln>
                 <a:extLst>
                   <a:ext uri="{909E8E84-426E-40dd-AFC4-6F175D3DCCD1}">
-                    <a14:hiddenFill xmlns:a14="http://schemas.microsoft.com/office/drawing/2010/main" xmlns="">
+                    <a14:hiddenFill xmlns="" xmlns:a14="http://schemas.microsoft.com/office/drawing/2010/main">
                       <a:noFill/>
                     </a14:hiddenFill>
                   </a:ext>
@@ -7181,7 +7181,7 @@
                 </a:ln>
                 <a:extLst>
                   <a:ext uri="{909E8E84-426E-40dd-AFC4-6F175D3DCCD1}">
-                    <a14:hiddenFill xmlns:a14="http://schemas.microsoft.com/office/drawing/2010/main" xmlns="">
+                    <a14:hiddenFill xmlns="" xmlns:a14="http://schemas.microsoft.com/office/drawing/2010/main">
                       <a:noFill/>
                     </a14:hiddenFill>
                   </a:ext>
@@ -7223,7 +7223,7 @@
                 </a:ln>
                 <a:extLst>
                   <a:ext uri="{909E8E84-426E-40dd-AFC4-6F175D3DCCD1}">
-                    <a14:hiddenFill xmlns:a14="http://schemas.microsoft.com/office/drawing/2010/main" xmlns="">
+                    <a14:hiddenFill xmlns="" xmlns:a14="http://schemas.microsoft.com/office/drawing/2010/main">
                       <a:noFill/>
                     </a14:hiddenFill>
                   </a:ext>
@@ -7265,7 +7265,7 @@
                 </a:ln>
                 <a:extLst>
                   <a:ext uri="{909E8E84-426E-40dd-AFC4-6F175D3DCCD1}">
-                    <a14:hiddenFill xmlns:a14="http://schemas.microsoft.com/office/drawing/2010/main" xmlns="">
+                    <a14:hiddenFill xmlns="" xmlns:a14="http://schemas.microsoft.com/office/drawing/2010/main">
                       <a:noFill/>
                     </a14:hiddenFill>
                   </a:ext>
@@ -7750,14 +7750,14 @@
                 </a:ln>
                 <a:extLst>
                   <a:ext uri="{909E8E84-426E-40dd-AFC4-6F175D3DCCD1}">
-                    <a14:hiddenFill xmlns:a14="http://schemas.microsoft.com/office/drawing/2010/main" xmlns="">
+                    <a14:hiddenFill xmlns="" xmlns:a14="http://schemas.microsoft.com/office/drawing/2010/main">
                       <a:solidFill>
                         <a:srgbClr val="FFFFFF"/>
                       </a:solidFill>
                     </a14:hiddenFill>
                   </a:ext>
                   <a:ext uri="{91240B29-F687-4f45-9708-019B960494DF}">
-                    <a14:hiddenLine xmlns:a14="http://schemas.microsoft.com/office/drawing/2010/main" xmlns="" w="9525">
+                    <a14:hiddenLine xmlns="" xmlns:a14="http://schemas.microsoft.com/office/drawing/2010/main" w="9525">
                       <a:solidFill>
                         <a:srgbClr val="000000"/>
                       </a:solidFill>
@@ -7820,7 +7820,7 @@
                 </a:ln>
                 <a:extLst>
                   <a:ext uri="{909E8E84-426E-40dd-AFC4-6F175D3DCCD1}">
-                    <a14:hiddenFill xmlns:a14="http://schemas.microsoft.com/office/drawing/2010/main" xmlns="">
+                    <a14:hiddenFill xmlns="" xmlns:a14="http://schemas.microsoft.com/office/drawing/2010/main">
                       <a:noFill/>
                     </a14:hiddenFill>
                   </a:ext>
@@ -7860,7 +7860,7 @@
                 </a:ln>
                 <a:extLst>
                   <a:ext uri="{909E8E84-426E-40dd-AFC4-6F175D3DCCD1}">
-                    <a14:hiddenFill xmlns:a14="http://schemas.microsoft.com/office/drawing/2010/main" xmlns="">
+                    <a14:hiddenFill xmlns="" xmlns:a14="http://schemas.microsoft.com/office/drawing/2010/main">
                       <a:noFill/>
                     </a14:hiddenFill>
                   </a:ext>
@@ -7901,7 +7901,7 @@
               </a:ln>
               <a:extLst>
                 <a:ext uri="{909E8E84-426E-40dd-AFC4-6F175D3DCCD1}">
-                  <a14:hiddenFill xmlns:a14="http://schemas.microsoft.com/office/drawing/2010/main" xmlns="">
+                  <a14:hiddenFill xmlns="" xmlns:a14="http://schemas.microsoft.com/office/drawing/2010/main">
                     <a:noFill/>
                   </a14:hiddenFill>
                 </a:ext>
@@ -7941,7 +7941,7 @@
               </a:ln>
               <a:extLst>
                 <a:ext uri="{909E8E84-426E-40dd-AFC4-6F175D3DCCD1}">
-                  <a14:hiddenFill xmlns:a14="http://schemas.microsoft.com/office/drawing/2010/main" xmlns="">
+                  <a14:hiddenFill xmlns="" xmlns:a14="http://schemas.microsoft.com/office/drawing/2010/main">
                     <a:noFill/>
                   </a14:hiddenFill>
                 </a:ext>
@@ -7981,7 +7981,7 @@
               </a:ln>
               <a:extLst>
                 <a:ext uri="{909E8E84-426E-40dd-AFC4-6F175D3DCCD1}">
-                  <a14:hiddenFill xmlns:a14="http://schemas.microsoft.com/office/drawing/2010/main" xmlns="">
+                  <a14:hiddenFill xmlns="" xmlns:a14="http://schemas.microsoft.com/office/drawing/2010/main">
                     <a:noFill/>
                   </a14:hiddenFill>
                 </a:ext>
@@ -8021,7 +8021,7 @@
               </a:ln>
               <a:extLst>
                 <a:ext uri="{909E8E84-426E-40dd-AFC4-6F175D3DCCD1}">
-                  <a14:hiddenFill xmlns:a14="http://schemas.microsoft.com/office/drawing/2010/main" xmlns="">
+                  <a14:hiddenFill xmlns="" xmlns:a14="http://schemas.microsoft.com/office/drawing/2010/main">
                     <a:noFill/>
                   </a14:hiddenFill>
                 </a:ext>
@@ -8380,7 +8380,7 @@
               </a:ln>
               <a:extLst>
                 <a:ext uri="{909E8E84-426E-40dd-AFC4-6F175D3DCCD1}">
-                  <a14:hiddenFill xmlns:a14="http://schemas.microsoft.com/office/drawing/2010/main" xmlns="">
+                  <a14:hiddenFill xmlns="" xmlns:a14="http://schemas.microsoft.com/office/drawing/2010/main">
                     <a:noFill/>
                   </a14:hiddenFill>
                 </a:ext>
@@ -8422,7 +8422,7 @@
               </a:ln>
               <a:extLst>
                 <a:ext uri="{909E8E84-426E-40dd-AFC4-6F175D3DCCD1}">
-                  <a14:hiddenFill xmlns:a14="http://schemas.microsoft.com/office/drawing/2010/main" xmlns="">
+                  <a14:hiddenFill xmlns="" xmlns:a14="http://schemas.microsoft.com/office/drawing/2010/main">
                     <a:noFill/>
                   </a14:hiddenFill>
                 </a:ext>
@@ -8464,7 +8464,7 @@
               </a:ln>
               <a:extLst>
                 <a:ext uri="{909E8E84-426E-40dd-AFC4-6F175D3DCCD1}">
-                  <a14:hiddenFill xmlns:a14="http://schemas.microsoft.com/office/drawing/2010/main" xmlns="">
+                  <a14:hiddenFill xmlns="" xmlns:a14="http://schemas.microsoft.com/office/drawing/2010/main">
                     <a:noFill/>
                   </a14:hiddenFill>
                 </a:ext>
@@ -8506,7 +8506,7 @@
               </a:ln>
               <a:extLst>
                 <a:ext uri="{909E8E84-426E-40dd-AFC4-6F175D3DCCD1}">
-                  <a14:hiddenFill xmlns:a14="http://schemas.microsoft.com/office/drawing/2010/main" xmlns="">
+                  <a14:hiddenFill xmlns="" xmlns:a14="http://schemas.microsoft.com/office/drawing/2010/main">
                     <a:noFill/>
                   </a14:hiddenFill>
                 </a:ext>
@@ -8548,7 +8548,7 @@
               </a:ln>
               <a:extLst>
                 <a:ext uri="{909E8E84-426E-40dd-AFC4-6F175D3DCCD1}">
-                  <a14:hiddenFill xmlns:a14="http://schemas.microsoft.com/office/drawing/2010/main" xmlns="">
+                  <a14:hiddenFill xmlns="" xmlns:a14="http://schemas.microsoft.com/office/drawing/2010/main">
                     <a:noFill/>
                   </a14:hiddenFill>
                 </a:ext>
@@ -8908,7 +8908,7 @@
                 </a:ln>
                 <a:extLst>
                   <a:ext uri="{909E8E84-426E-40dd-AFC4-6F175D3DCCD1}">
-                    <a14:hiddenFill xmlns:a14="http://schemas.microsoft.com/office/drawing/2010/main" xmlns="">
+                    <a14:hiddenFill xmlns="" xmlns:a14="http://schemas.microsoft.com/office/drawing/2010/main">
                       <a:noFill/>
                     </a14:hiddenFill>
                   </a:ext>
@@ -8950,7 +8950,7 @@
                 </a:ln>
                 <a:extLst>
                   <a:ext uri="{909E8E84-426E-40dd-AFC4-6F175D3DCCD1}">
-                    <a14:hiddenFill xmlns:a14="http://schemas.microsoft.com/office/drawing/2010/main" xmlns="">
+                    <a14:hiddenFill xmlns="" xmlns:a14="http://schemas.microsoft.com/office/drawing/2010/main">
                       <a:noFill/>
                     </a14:hiddenFill>
                   </a:ext>
@@ -8992,7 +8992,7 @@
                 </a:ln>
                 <a:extLst>
                   <a:ext uri="{909E8E84-426E-40dd-AFC4-6F175D3DCCD1}">
-                    <a14:hiddenFill xmlns:a14="http://schemas.microsoft.com/office/drawing/2010/main" xmlns="">
+                    <a14:hiddenFill xmlns="" xmlns:a14="http://schemas.microsoft.com/office/drawing/2010/main">
                       <a:noFill/>
                     </a14:hiddenFill>
                   </a:ext>
@@ -9034,7 +9034,7 @@
                 </a:ln>
                 <a:extLst>
                   <a:ext uri="{909E8E84-426E-40dd-AFC4-6F175D3DCCD1}">
-                    <a14:hiddenFill xmlns:a14="http://schemas.microsoft.com/office/drawing/2010/main" xmlns="">
+                    <a14:hiddenFill xmlns="" xmlns:a14="http://schemas.microsoft.com/office/drawing/2010/main">
                       <a:noFill/>
                     </a14:hiddenFill>
                   </a:ext>
@@ -9519,14 +9519,14 @@
                 </a:ln>
                 <a:extLst>
                   <a:ext uri="{909E8E84-426E-40dd-AFC4-6F175D3DCCD1}">
-                    <a14:hiddenFill xmlns:a14="http://schemas.microsoft.com/office/drawing/2010/main" xmlns="">
+                    <a14:hiddenFill xmlns="" xmlns:a14="http://schemas.microsoft.com/office/drawing/2010/main">
                       <a:solidFill>
                         <a:srgbClr val="FFFFFF"/>
                       </a:solidFill>
                     </a14:hiddenFill>
                   </a:ext>
                   <a:ext uri="{91240B29-F687-4f45-9708-019B960494DF}">
-                    <a14:hiddenLine xmlns:a14="http://schemas.microsoft.com/office/drawing/2010/main" xmlns="" w="9525">
+                    <a14:hiddenLine xmlns="" xmlns:a14="http://schemas.microsoft.com/office/drawing/2010/main" w="9525">
                       <a:solidFill>
                         <a:srgbClr val="000000"/>
                       </a:solidFill>
@@ -9589,7 +9589,7 @@
                 </a:ln>
                 <a:extLst>
                   <a:ext uri="{909E8E84-426E-40dd-AFC4-6F175D3DCCD1}">
-                    <a14:hiddenFill xmlns:a14="http://schemas.microsoft.com/office/drawing/2010/main" xmlns="">
+                    <a14:hiddenFill xmlns="" xmlns:a14="http://schemas.microsoft.com/office/drawing/2010/main">
                       <a:noFill/>
                     </a14:hiddenFill>
                   </a:ext>
@@ -9629,7 +9629,7 @@
                 </a:ln>
                 <a:extLst>
                   <a:ext uri="{909E8E84-426E-40dd-AFC4-6F175D3DCCD1}">
-                    <a14:hiddenFill xmlns:a14="http://schemas.microsoft.com/office/drawing/2010/main" xmlns="">
+                    <a14:hiddenFill xmlns="" xmlns:a14="http://schemas.microsoft.com/office/drawing/2010/main">
                       <a:noFill/>
                     </a14:hiddenFill>
                   </a:ext>
@@ -9990,7 +9990,7 @@
                 </a:ln>
                 <a:extLst>
                   <a:ext uri="{909E8E84-426E-40dd-AFC4-6F175D3DCCD1}">
-                    <a14:hiddenFill xmlns:a14="http://schemas.microsoft.com/office/drawing/2010/main" xmlns="">
+                    <a14:hiddenFill xmlns="" xmlns:a14="http://schemas.microsoft.com/office/drawing/2010/main">
                       <a:noFill/>
                     </a14:hiddenFill>
                   </a:ext>
@@ -10032,7 +10032,7 @@
                 </a:ln>
                 <a:extLst>
                   <a:ext uri="{909E8E84-426E-40dd-AFC4-6F175D3DCCD1}">
-                    <a14:hiddenFill xmlns:a14="http://schemas.microsoft.com/office/drawing/2010/main" xmlns="">
+                    <a14:hiddenFill xmlns="" xmlns:a14="http://schemas.microsoft.com/office/drawing/2010/main">
                       <a:noFill/>
                     </a14:hiddenFill>
                   </a:ext>
@@ -10074,7 +10074,7 @@
                 </a:ln>
                 <a:extLst>
                   <a:ext uri="{909E8E84-426E-40dd-AFC4-6F175D3DCCD1}">
-                    <a14:hiddenFill xmlns:a14="http://schemas.microsoft.com/office/drawing/2010/main" xmlns="">
+                    <a14:hiddenFill xmlns="" xmlns:a14="http://schemas.microsoft.com/office/drawing/2010/main">
                       <a:noFill/>
                     </a14:hiddenFill>
                   </a:ext>
@@ -10559,14 +10559,14 @@
                 </a:ln>
                 <a:extLst>
                   <a:ext uri="{909E8E84-426E-40dd-AFC4-6F175D3DCCD1}">
-                    <a14:hiddenFill xmlns:a14="http://schemas.microsoft.com/office/drawing/2010/main" xmlns="">
+                    <a14:hiddenFill xmlns="" xmlns:a14="http://schemas.microsoft.com/office/drawing/2010/main">
                       <a:solidFill>
                         <a:srgbClr val="FFFFFF"/>
                       </a:solidFill>
                     </a14:hiddenFill>
                   </a:ext>
                   <a:ext uri="{91240B29-F687-4f45-9708-019B960494DF}">
-                    <a14:hiddenLine xmlns:a14="http://schemas.microsoft.com/office/drawing/2010/main" xmlns="" w="9525">
+                    <a14:hiddenLine xmlns="" xmlns:a14="http://schemas.microsoft.com/office/drawing/2010/main" w="9525">
                       <a:solidFill>
                         <a:srgbClr val="000000"/>
                       </a:solidFill>
@@ -10629,7 +10629,7 @@
                 </a:ln>
                 <a:extLst>
                   <a:ext uri="{909E8E84-426E-40dd-AFC4-6F175D3DCCD1}">
-                    <a14:hiddenFill xmlns:a14="http://schemas.microsoft.com/office/drawing/2010/main" xmlns="">
+                    <a14:hiddenFill xmlns="" xmlns:a14="http://schemas.microsoft.com/office/drawing/2010/main">
                       <a:noFill/>
                     </a14:hiddenFill>
                   </a:ext>
@@ -10669,7 +10669,7 @@
                 </a:ln>
                 <a:extLst>
                   <a:ext uri="{909E8E84-426E-40dd-AFC4-6F175D3DCCD1}">
-                    <a14:hiddenFill xmlns:a14="http://schemas.microsoft.com/office/drawing/2010/main" xmlns="">
+                    <a14:hiddenFill xmlns="" xmlns:a14="http://schemas.microsoft.com/office/drawing/2010/main">
                       <a:noFill/>
                     </a14:hiddenFill>
                   </a:ext>
@@ -10710,7 +10710,7 @@
               </a:ln>
               <a:extLst>
                 <a:ext uri="{909E8E84-426E-40dd-AFC4-6F175D3DCCD1}">
-                  <a14:hiddenFill xmlns:a14="http://schemas.microsoft.com/office/drawing/2010/main" xmlns="">
+                  <a14:hiddenFill xmlns="" xmlns:a14="http://schemas.microsoft.com/office/drawing/2010/main">
                     <a:noFill/>
                   </a14:hiddenFill>
                 </a:ext>
@@ -10750,7 +10750,7 @@
               </a:ln>
               <a:extLst>
                 <a:ext uri="{909E8E84-426E-40dd-AFC4-6F175D3DCCD1}">
-                  <a14:hiddenFill xmlns:a14="http://schemas.microsoft.com/office/drawing/2010/main" xmlns="">
+                  <a14:hiddenFill xmlns="" xmlns:a14="http://schemas.microsoft.com/office/drawing/2010/main">
                     <a:noFill/>
                   </a14:hiddenFill>
                 </a:ext>
@@ -10790,7 +10790,7 @@
               </a:ln>
               <a:extLst>
                 <a:ext uri="{909E8E84-426E-40dd-AFC4-6F175D3DCCD1}">
-                  <a14:hiddenFill xmlns:a14="http://schemas.microsoft.com/office/drawing/2010/main" xmlns="">
+                  <a14:hiddenFill xmlns="" xmlns:a14="http://schemas.microsoft.com/office/drawing/2010/main">
                     <a:noFill/>
                   </a14:hiddenFill>
                 </a:ext>
@@ -10830,7 +10830,7 @@
               </a:ln>
               <a:extLst>
                 <a:ext uri="{909E8E84-426E-40dd-AFC4-6F175D3DCCD1}">
-                  <a14:hiddenFill xmlns:a14="http://schemas.microsoft.com/office/drawing/2010/main" xmlns="">
+                  <a14:hiddenFill xmlns="" xmlns:a14="http://schemas.microsoft.com/office/drawing/2010/main">
                     <a:noFill/>
                   </a14:hiddenFill>
                 </a:ext>
@@ -10873,7 +10873,7 @@
             </a:ln>
             <a:extLst>
               <a:ext uri="{909E8E84-426E-40dd-AFC4-6F175D3DCCD1}">
-                <a14:hiddenFill xmlns:a14="http://schemas.microsoft.com/office/drawing/2010/main" xmlns="">
+                <a14:hiddenFill xmlns="" xmlns:a14="http://schemas.microsoft.com/office/drawing/2010/main">
                   <a:noFill/>
                 </a14:hiddenFill>
               </a:ext>
@@ -10915,7 +10915,7 @@
             </a:ln>
             <a:extLst>
               <a:ext uri="{909E8E84-426E-40dd-AFC4-6F175D3DCCD1}">
-                <a14:hiddenFill xmlns:a14="http://schemas.microsoft.com/office/drawing/2010/main" xmlns="">
+                <a14:hiddenFill xmlns="" xmlns:a14="http://schemas.microsoft.com/office/drawing/2010/main">
                   <a:noFill/>
                 </a14:hiddenFill>
               </a:ext>
@@ -10957,7 +10957,7 @@
             </a:ln>
             <a:extLst>
               <a:ext uri="{909E8E84-426E-40dd-AFC4-6F175D3DCCD1}">
-                <a14:hiddenFill xmlns:a14="http://schemas.microsoft.com/office/drawing/2010/main" xmlns="">
+                <a14:hiddenFill xmlns="" xmlns:a14="http://schemas.microsoft.com/office/drawing/2010/main">
                   <a:noFill/>
                 </a14:hiddenFill>
               </a:ext>
@@ -10999,7 +10999,7 @@
             </a:ln>
             <a:extLst>
               <a:ext uri="{909E8E84-426E-40dd-AFC4-6F175D3DCCD1}">
-                <a14:hiddenFill xmlns:a14="http://schemas.microsoft.com/office/drawing/2010/main" xmlns="">
+                <a14:hiddenFill xmlns="" xmlns:a14="http://schemas.microsoft.com/office/drawing/2010/main">
                   <a:noFill/>
                 </a14:hiddenFill>
               </a:ext>
@@ -11170,13 +11170,29 @@
           <a:p>
             <a:r>
               <a:rPr lang="en-US" sz="2000" dirty="0"/>
-              <a:t>If (switch1.port0.utilization &gt; X &amp;&amp;</a:t>
+              <a:t>If (switch1.port0.utilization &gt; </a:t>
+            </a:r>
+            <a:r>
+              <a:rPr lang="en-US" sz="2000" b="1" dirty="0"/>
+              <a:t>X</a:t>
+            </a:r>
+            <a:r>
+              <a:rPr lang="en-US" sz="2000" dirty="0"/>
+              <a:t> &amp;&amp;</a:t>
             </a:r>
           </a:p>
           <a:p>
             <a:r>
               <a:rPr lang="en-US" sz="2000" dirty="0"/>
-              <a:t>     path2.latency &gt; Y)</a:t>
+              <a:t>     path2.latency &gt; </a:t>
+            </a:r>
+            <a:r>
+              <a:rPr lang="en-US" sz="2000" b="1" dirty="0"/>
+              <a:t>Y</a:t>
+            </a:r>
+            <a:r>
+              <a:rPr lang="en-US" sz="2000" dirty="0"/>
+              <a:t>)</a:t>
             </a:r>
             <a:br>
               <a:rPr lang="en-US" sz="2000" dirty="0"/>
@@ -11214,7 +11230,7 @@
         <p:spPr>
           <a:xfrm>
             <a:off x="76426" y="5435177"/>
-            <a:ext cx="4670125" cy="1015663"/>
+            <a:ext cx="4486899" cy="1015663"/>
           </a:xfrm>
           <a:prstGeom prst="rect">
             <a:avLst/>
@@ -11222,26 +11238,19 @@
           <a:noFill/>
         </p:spPr>
         <p:txBody>
-          <a:bodyPr wrap="none" rtlCol="0">
+          <a:bodyPr wrap="square" rtlCol="0">
             <a:spAutoFit/>
           </a:bodyPr>
           <a:lstStyle/>
           <a:p>
+            <a:pPr algn="just"/>
+            <a:r>
+              <a:rPr lang="en-US" sz="2000" b="1" dirty="0"/>
+              <a:t>Figure:</a:t>
+            </a:r>
             <a:r>
               <a:rPr lang="en-US" sz="2000" dirty="0"/>
-              <a:t>The NEAT idea: a data centre operator can</a:t>
-            </a:r>
-          </a:p>
-          <a:p>
-            <a:r>
-              <a:rPr lang="en-US" sz="2000" dirty="0"/>
-              <a:t>query the network and ask the switches to </a:t>
-            </a:r>
-          </a:p>
-          <a:p>
-            <a:r>
-              <a:rPr lang="en-US" sz="2000" dirty="0"/>
-              <a:t>perform traffic analysis. </a:t>
+              <a:t> with NEAT a data centre operator can query the network and ask the switches to perform traffic analysis. </a:t>
             </a:r>
           </a:p>
         </p:txBody>
